--- a/Readme_IBIS_IP_2.2.pptx
+++ b/Readme_IBIS_IP_2.2.pptx
@@ -5,7 +5,7 @@
     <p:sldMasterId id="2147483648" r:id="rId1"/>
   </p:sldMasterIdLst>
   <p:notesMasterIdLst>
-    <p:notesMasterId r:id="rId7"/>
+    <p:notesMasterId r:id="rId8"/>
   </p:notesMasterIdLst>
   <p:sldIdLst>
     <p:sldId id="281" r:id="rId2"/>
@@ -13,6 +13,7 @@
     <p:sldId id="278" r:id="rId4"/>
     <p:sldId id="280" r:id="rId5"/>
     <p:sldId id="279" r:id="rId6"/>
+    <p:sldId id="282" r:id="rId7"/>
   </p:sldIdLst>
   <p:sldSz cx="9144000" cy="5143500" type="screen16x9"/>
   <p:notesSz cx="6858000" cy="9144000"/>
@@ -257,7 +258,7 @@
           <a:p>
             <a:fld id="{623BBD59-964B-4DAF-A29B-734161608ED8}" type="datetimeFigureOut">
               <a:rPr lang="de-DE" smtClean="0"/>
-              <a:t>28.11.2019</a:t>
+              <a:t>05.03.2021</a:t>
             </a:fld>
             <a:endParaRPr lang="de-DE"/>
           </a:p>
@@ -1242,7 +1243,7 @@
           <p:cNvPr id="2" name="Titel 1">
             <a:extLst>
               <a:ext uri="{FF2B5EF4-FFF2-40B4-BE49-F238E27FC236}">
-                <a16:creationId xmlns:a16="http://schemas.microsoft.com/office/drawing/2014/main" xmlns="" id="{12858925-19F6-4E21-9CFE-BA5D8B3DA3DF}"/>
+                <a16:creationId xmlns="" xmlns:a16="http://schemas.microsoft.com/office/drawing/2014/main" id="{12858925-19F6-4E21-9CFE-BA5D8B3DA3DF}"/>
               </a:ext>
             </a:extLst>
           </p:cNvPr>
@@ -1260,8 +1261,13 @@
           <a:p>
             <a:r>
               <a:rPr lang="de-DE" dirty="0"/>
-              <a:t>Version 2.2</a:t>
-            </a:r>
+              <a:t>Version </a:t>
+            </a:r>
+            <a:r>
+              <a:rPr lang="de-DE" dirty="0" smtClean="0"/>
+              <a:t>2.3</a:t>
+            </a:r>
+            <a:endParaRPr lang="de-DE" dirty="0"/>
           </a:p>
         </p:txBody>
       </p:sp>
@@ -1270,7 +1276,7 @@
           <p:cNvPr id="3" name="Untertitel 2">
             <a:extLst>
               <a:ext uri="{FF2B5EF4-FFF2-40B4-BE49-F238E27FC236}">
-                <a16:creationId xmlns:a16="http://schemas.microsoft.com/office/drawing/2014/main" xmlns="" id="{B94FE217-78E2-41B1-A04E-B92F2FA836A6}"/>
+                <a16:creationId xmlns="" xmlns:a16="http://schemas.microsoft.com/office/drawing/2014/main" id="{B94FE217-78E2-41B1-A04E-B92F2FA836A6}"/>
               </a:ext>
             </a:extLst>
           </p:cNvPr>
@@ -2420,7 +2426,15 @@
             </a:r>
             <a:r>
               <a:rPr lang="de-DE" dirty="0"/>
-              <a:t>-relations in IBIS-IP 2.2 – V 1.0 Services </a:t>
+              <a:t>-relations in IBIS-IP </a:t>
+            </a:r>
+            <a:r>
+              <a:rPr lang="de-DE" dirty="0" smtClean="0"/>
+              <a:t>2.3 </a:t>
+            </a:r>
+            <a:r>
+              <a:rPr lang="de-DE" dirty="0"/>
+              <a:t>– V 1.0 Services </a:t>
             </a:r>
             <a:endParaRPr lang="en-GB" dirty="0">
               <a:latin typeface="Arial Narrow" panose="020B0606020202030204" pitchFamily="34" charset="0"/>
@@ -2501,7 +2515,15 @@
             </a:r>
             <a:r>
               <a:rPr lang="de-DE" dirty="0"/>
-              <a:t>-relations in IBIS-IP 2.2 – V 2.0 Services </a:t>
+              <a:t>-relations in IBIS-IP </a:t>
+            </a:r>
+            <a:r>
+              <a:rPr lang="de-DE" dirty="0" smtClean="0"/>
+              <a:t>2.3 </a:t>
+            </a:r>
+            <a:r>
+              <a:rPr lang="de-DE" dirty="0"/>
+              <a:t>– V 2.0 Services </a:t>
             </a:r>
             <a:endParaRPr lang="en-GB" dirty="0">
               <a:latin typeface="Arial Narrow" panose="020B0606020202030204" pitchFamily="34" charset="0"/>
@@ -3621,7 +3643,15 @@
             </a:r>
             <a:r>
               <a:rPr lang="de-DE" dirty="0"/>
-              <a:t>-relations in IBIS-IP 2.2 – V 2.1 Services </a:t>
+              <a:t>-relations in IBIS-IP </a:t>
+            </a:r>
+            <a:r>
+              <a:rPr lang="de-DE" dirty="0" smtClean="0"/>
+              <a:t>2.3 </a:t>
+            </a:r>
+            <a:r>
+              <a:rPr lang="de-DE" dirty="0"/>
+              <a:t>– V 2.1 Services </a:t>
             </a:r>
             <a:endParaRPr lang="en-GB" dirty="0">
               <a:latin typeface="Arial Narrow" panose="020B0606020202030204" pitchFamily="34" charset="0"/>
@@ -3634,7 +3664,7 @@
           <p:cNvPr id="26" name="Rechteck 25">
             <a:extLst>
               <a:ext uri="{FF2B5EF4-FFF2-40B4-BE49-F238E27FC236}">
-                <a16:creationId xmlns:a16="http://schemas.microsoft.com/office/drawing/2014/main" xmlns="" id="{118086B0-6F63-42F3-8D41-2E56F301D201}"/>
+                <a16:creationId xmlns="" xmlns:a16="http://schemas.microsoft.com/office/drawing/2014/main" id="{118086B0-6F63-42F3-8D41-2E56F301D201}"/>
               </a:ext>
             </a:extLst>
           </p:cNvPr>
@@ -4862,7 +4892,15 @@
             </a:r>
             <a:r>
               <a:rPr lang="de-DE" dirty="0"/>
-              <a:t>-relations in IBIS-IP 2.2 – V 2.2 Services </a:t>
+              <a:t>-relations in IBIS-IP </a:t>
+            </a:r>
+            <a:r>
+              <a:rPr lang="de-DE" dirty="0" smtClean="0"/>
+              <a:t>2.3 </a:t>
+            </a:r>
+            <a:r>
+              <a:rPr lang="de-DE" dirty="0"/>
+              <a:t>– V 2.2 Services </a:t>
             </a:r>
             <a:endParaRPr lang="en-GB" dirty="0">
               <a:latin typeface="Arial Narrow" panose="020B0606020202030204" pitchFamily="34" charset="0"/>
@@ -4875,7 +4913,7 @@
           <p:cNvPr id="28" name="Rechteck 27">
             <a:extLst>
               <a:ext uri="{FF2B5EF4-FFF2-40B4-BE49-F238E27FC236}">
-                <a16:creationId xmlns:a16="http://schemas.microsoft.com/office/drawing/2014/main" xmlns="" id="{382932B5-6D11-4F7B-97D3-2211AE317C43}"/>
+                <a16:creationId xmlns="" xmlns:a16="http://schemas.microsoft.com/office/drawing/2014/main" id="{382932B5-6D11-4F7B-97D3-2211AE317C43}"/>
               </a:ext>
             </a:extLst>
           </p:cNvPr>
@@ -4952,7 +4990,7 @@
           <p:cNvPr id="29" name="Gerade Verbindung mit Pfeil 28">
             <a:extLst>
               <a:ext uri="{FF2B5EF4-FFF2-40B4-BE49-F238E27FC236}">
-                <a16:creationId xmlns:a16="http://schemas.microsoft.com/office/drawing/2014/main" xmlns="" id="{2C6CF33B-4A53-49D1-8731-DE961C701CFB}"/>
+                <a16:creationId xmlns="" xmlns:a16="http://schemas.microsoft.com/office/drawing/2014/main" id="{2C6CF33B-4A53-49D1-8731-DE961C701CFB}"/>
               </a:ext>
             </a:extLst>
           </p:cNvPr>
@@ -4998,7 +5036,7 @@
           <p:cNvPr id="30" name="Gerade Verbindung mit Pfeil 29">
             <a:extLst>
               <a:ext uri="{FF2B5EF4-FFF2-40B4-BE49-F238E27FC236}">
-                <a16:creationId xmlns:a16="http://schemas.microsoft.com/office/drawing/2014/main" xmlns="" id="{956A722C-BF40-41BE-8046-AE7157BD6A91}"/>
+                <a16:creationId xmlns="" xmlns:a16="http://schemas.microsoft.com/office/drawing/2014/main" id="{956A722C-BF40-41BE-8046-AE7157BD6A91}"/>
               </a:ext>
             </a:extLst>
           </p:cNvPr>
@@ -5043,6 +5081,431 @@
     <p:extLst>
       <p:ext uri="{BB962C8B-B14F-4D97-AF65-F5344CB8AC3E}">
         <p14:creationId xmlns:p14="http://schemas.microsoft.com/office/powerpoint/2010/main" val="2578238626"/>
+      </p:ext>
+    </p:extLst>
+  </p:cSld>
+  <p:clrMapOvr>
+    <a:masterClrMapping/>
+  </p:clrMapOvr>
+</p:sld>
+</file>
+
+<file path=ppt/slides/slide6.xml><?xml version="1.0" encoding="utf-8"?>
+<p:sld xmlns:a="http://schemas.openxmlformats.org/drawingml/2006/main" xmlns:r="http://schemas.openxmlformats.org/officeDocument/2006/relationships" xmlns:p="http://schemas.openxmlformats.org/presentationml/2006/main">
+  <p:cSld>
+    <p:spTree>
+      <p:nvGrpSpPr>
+        <p:cNvPr id="1" name=""/>
+        <p:cNvGrpSpPr/>
+        <p:nvPr/>
+      </p:nvGrpSpPr>
+      <p:grpSpPr>
+        <a:xfrm>
+          <a:off x="0" y="0"/>
+          <a:ext cx="0" cy="0"/>
+          <a:chOff x="0" y="0"/>
+          <a:chExt cx="0" cy="0"/>
+        </a:xfrm>
+      </p:grpSpPr>
+      <p:sp>
+        <p:nvSpPr>
+          <p:cNvPr id="7" name="Rechteck 6"/>
+          <p:cNvSpPr/>
+          <p:nvPr/>
+        </p:nvSpPr>
+        <p:spPr>
+          <a:xfrm>
+            <a:off x="312825" y="2608007"/>
+            <a:ext cx="497318" cy="360000"/>
+          </a:xfrm>
+          <a:prstGeom prst="rect">
+            <a:avLst/>
+          </a:prstGeom>
+          <a:solidFill>
+            <a:srgbClr val="FF0000"/>
+          </a:solidFill>
+          <a:ln>
+            <a:noFill/>
+          </a:ln>
+        </p:spPr>
+        <p:style>
+          <a:lnRef idx="2">
+            <a:schemeClr val="accent1">
+              <a:shade val="50000"/>
+            </a:schemeClr>
+          </a:lnRef>
+          <a:fillRef idx="1">
+            <a:schemeClr val="accent1"/>
+          </a:fillRef>
+          <a:effectRef idx="0">
+            <a:schemeClr val="accent1"/>
+          </a:effectRef>
+          <a:fontRef idx="minor">
+            <a:schemeClr val="lt1"/>
+          </a:fontRef>
+        </p:style>
+        <p:txBody>
+          <a:bodyPr lIns="0" rIns="0" rtlCol="0" anchor="ctr"/>
+          <a:lstStyle/>
+          <a:p>
+            <a:pPr algn="ctr"/>
+            <a:r>
+              <a:rPr lang="en-GB" sz="700" dirty="0">
+                <a:latin typeface="Arial Narrow" panose="020B0606020202030204" pitchFamily="34" charset="0"/>
+              </a:rPr>
+              <a:t>Common</a:t>
+            </a:r>
+          </a:p>
+          <a:p>
+            <a:pPr algn="ctr"/>
+            <a:r>
+              <a:rPr lang="en-GB" sz="700" dirty="0">
+                <a:latin typeface="Arial Narrow" panose="020B0606020202030204" pitchFamily="34" charset="0"/>
+              </a:rPr>
+              <a:t>V </a:t>
+            </a:r>
+            <a:r>
+              <a:rPr lang="en-GB" sz="700" dirty="0" smtClean="0">
+                <a:latin typeface="Arial Narrow" panose="020B0606020202030204" pitchFamily="34" charset="0"/>
+              </a:rPr>
+              <a:t>2.3</a:t>
+            </a:r>
+            <a:endParaRPr lang="en-GB" sz="700" dirty="0">
+              <a:latin typeface="Arial Narrow" panose="020B0606020202030204" pitchFamily="34" charset="0"/>
+            </a:endParaRPr>
+          </a:p>
+        </p:txBody>
+      </p:sp>
+      <p:sp>
+        <p:nvSpPr>
+          <p:cNvPr id="10" name="Rechteck 9"/>
+          <p:cNvSpPr/>
+          <p:nvPr/>
+        </p:nvSpPr>
+        <p:spPr>
+          <a:xfrm>
+            <a:off x="295384" y="4586891"/>
+            <a:ext cx="532200" cy="360000"/>
+          </a:xfrm>
+          <a:prstGeom prst="rect">
+            <a:avLst/>
+          </a:prstGeom>
+          <a:solidFill>
+            <a:srgbClr val="7030A0"/>
+          </a:solidFill>
+          <a:ln>
+            <a:solidFill>
+              <a:srgbClr val="7030A0"/>
+            </a:solidFill>
+          </a:ln>
+        </p:spPr>
+        <p:style>
+          <a:lnRef idx="2">
+            <a:schemeClr val="accent1">
+              <a:shade val="50000"/>
+            </a:schemeClr>
+          </a:lnRef>
+          <a:fillRef idx="1">
+            <a:schemeClr val="accent1"/>
+          </a:fillRef>
+          <a:effectRef idx="0">
+            <a:schemeClr val="accent1"/>
+          </a:effectRef>
+          <a:fontRef idx="minor">
+            <a:schemeClr val="lt1"/>
+          </a:fontRef>
+        </p:style>
+        <p:txBody>
+          <a:bodyPr lIns="0" rIns="0" rtlCol="0" anchor="ctr"/>
+          <a:lstStyle/>
+          <a:p>
+            <a:pPr algn="ctr"/>
+            <a:r>
+              <a:rPr lang="en-GB" sz="700" dirty="0">
+                <a:latin typeface="Arial Narrow" panose="020B0606020202030204" pitchFamily="34" charset="0"/>
+              </a:rPr>
+              <a:t>Enumerations</a:t>
+            </a:r>
+          </a:p>
+          <a:p>
+            <a:pPr algn="ctr"/>
+            <a:r>
+              <a:rPr lang="en-GB" sz="700" dirty="0">
+                <a:latin typeface="Arial Narrow" panose="020B0606020202030204" pitchFamily="34" charset="0"/>
+              </a:rPr>
+              <a:t>V 2.2</a:t>
+            </a:r>
+          </a:p>
+        </p:txBody>
+      </p:sp>
+      <p:sp>
+        <p:nvSpPr>
+          <p:cNvPr id="12" name="Rechteck 11"/>
+          <p:cNvSpPr/>
+          <p:nvPr/>
+        </p:nvSpPr>
+        <p:spPr>
+          <a:xfrm>
+            <a:off x="1455066" y="1059250"/>
+            <a:ext cx="511537" cy="360000"/>
+          </a:xfrm>
+          <a:prstGeom prst="rect">
+            <a:avLst/>
+          </a:prstGeom>
+          <a:solidFill>
+            <a:srgbClr val="FF0000"/>
+          </a:solidFill>
+          <a:ln>
+            <a:noFill/>
+          </a:ln>
+        </p:spPr>
+        <p:style>
+          <a:lnRef idx="2">
+            <a:schemeClr val="accent1">
+              <a:shade val="50000"/>
+            </a:schemeClr>
+          </a:lnRef>
+          <a:fillRef idx="1">
+            <a:schemeClr val="accent1"/>
+          </a:fillRef>
+          <a:effectRef idx="0">
+            <a:schemeClr val="accent1"/>
+          </a:effectRef>
+          <a:fontRef idx="minor">
+            <a:schemeClr val="lt1"/>
+          </a:fontRef>
+        </p:style>
+        <p:txBody>
+          <a:bodyPr lIns="0" rIns="0" rtlCol="0" anchor="ctr"/>
+          <a:lstStyle/>
+          <a:p>
+            <a:pPr algn="ctr"/>
+            <a:r>
+              <a:rPr lang="en-GB" sz="700" dirty="0">
+                <a:latin typeface="Arial Narrow" panose="020B0606020202030204" pitchFamily="34" charset="0"/>
+              </a:rPr>
+              <a:t>Customer</a:t>
+            </a:r>
+            <a:br>
+              <a:rPr lang="en-GB" sz="700" dirty="0">
+                <a:latin typeface="Arial Narrow" panose="020B0606020202030204" pitchFamily="34" charset="0"/>
+              </a:rPr>
+            </a:br>
+            <a:r>
+              <a:rPr lang="en-GB" sz="700" dirty="0">
+                <a:latin typeface="Arial Narrow" panose="020B0606020202030204" pitchFamily="34" charset="0"/>
+              </a:rPr>
+              <a:t>Information</a:t>
+            </a:r>
+          </a:p>
+          <a:p>
+            <a:pPr algn="ctr"/>
+            <a:r>
+              <a:rPr lang="en-GB" sz="700" dirty="0">
+                <a:latin typeface="Arial Narrow" panose="020B0606020202030204" pitchFamily="34" charset="0"/>
+              </a:rPr>
+              <a:t>V </a:t>
+            </a:r>
+            <a:r>
+              <a:rPr lang="en-GB" sz="700" dirty="0" smtClean="0">
+                <a:latin typeface="Arial Narrow" panose="020B0606020202030204" pitchFamily="34" charset="0"/>
+              </a:rPr>
+              <a:t>2.3</a:t>
+            </a:r>
+            <a:endParaRPr lang="en-GB" sz="700" dirty="0">
+              <a:latin typeface="Arial Narrow" panose="020B0606020202030204" pitchFamily="34" charset="0"/>
+            </a:endParaRPr>
+          </a:p>
+        </p:txBody>
+      </p:sp>
+      <p:cxnSp>
+        <p:nvCxnSpPr>
+          <p:cNvPr id="56" name="Gerade Verbindung mit Pfeil 55"/>
+          <p:cNvCxnSpPr>
+            <a:stCxn id="7" idx="2"/>
+            <a:endCxn id="10" idx="0"/>
+          </p:cNvCxnSpPr>
+          <p:nvPr/>
+        </p:nvCxnSpPr>
+        <p:spPr>
+          <a:xfrm>
+            <a:off x="561484" y="2968007"/>
+            <a:ext cx="0" cy="1618884"/>
+          </a:xfrm>
+          <a:prstGeom prst="straightConnector1">
+            <a:avLst/>
+          </a:prstGeom>
+          <a:ln>
+            <a:solidFill>
+              <a:schemeClr val="tx1"/>
+            </a:solidFill>
+            <a:tailEnd type="arrow"/>
+          </a:ln>
+        </p:spPr>
+        <p:style>
+          <a:lnRef idx="1">
+            <a:schemeClr val="accent1"/>
+          </a:lnRef>
+          <a:fillRef idx="0">
+            <a:schemeClr val="accent1"/>
+          </a:fillRef>
+          <a:effectRef idx="0">
+            <a:schemeClr val="accent1"/>
+          </a:effectRef>
+          <a:fontRef idx="minor">
+            <a:schemeClr val="tx1"/>
+          </a:fontRef>
+        </p:style>
+      </p:cxnSp>
+      <p:cxnSp>
+        <p:nvCxnSpPr>
+          <p:cNvPr id="92" name="Gerade Verbindung mit Pfeil 91"/>
+          <p:cNvCxnSpPr>
+            <a:stCxn id="12" idx="2"/>
+            <a:endCxn id="7" idx="0"/>
+          </p:cNvCxnSpPr>
+          <p:nvPr/>
+        </p:nvCxnSpPr>
+        <p:spPr>
+          <a:xfrm flipH="1">
+            <a:off x="561484" y="1419250"/>
+            <a:ext cx="1149351" cy="1188757"/>
+          </a:xfrm>
+          <a:prstGeom prst="straightConnector1">
+            <a:avLst/>
+          </a:prstGeom>
+          <a:ln>
+            <a:solidFill>
+              <a:schemeClr val="tx1"/>
+            </a:solidFill>
+            <a:tailEnd type="arrow"/>
+          </a:ln>
+        </p:spPr>
+        <p:style>
+          <a:lnRef idx="1">
+            <a:schemeClr val="accent1"/>
+          </a:lnRef>
+          <a:fillRef idx="0">
+            <a:schemeClr val="accent1"/>
+          </a:fillRef>
+          <a:effectRef idx="0">
+            <a:schemeClr val="accent1"/>
+          </a:effectRef>
+          <a:fontRef idx="minor">
+            <a:schemeClr val="tx1"/>
+          </a:fontRef>
+        </p:style>
+      </p:cxnSp>
+      <p:cxnSp>
+        <p:nvCxnSpPr>
+          <p:cNvPr id="93" name="Gerade Verbindung mit Pfeil 92"/>
+          <p:cNvCxnSpPr>
+            <a:stCxn id="12" idx="2"/>
+            <a:endCxn id="10" idx="0"/>
+          </p:cNvCxnSpPr>
+          <p:nvPr/>
+        </p:nvCxnSpPr>
+        <p:spPr>
+          <a:xfrm flipH="1">
+            <a:off x="561484" y="1419250"/>
+            <a:ext cx="1149351" cy="3167641"/>
+          </a:xfrm>
+          <a:prstGeom prst="straightConnector1">
+            <a:avLst/>
+          </a:prstGeom>
+          <a:ln>
+            <a:solidFill>
+              <a:schemeClr val="tx1"/>
+            </a:solidFill>
+            <a:tailEnd type="arrow"/>
+          </a:ln>
+        </p:spPr>
+        <p:style>
+          <a:lnRef idx="1">
+            <a:schemeClr val="accent1"/>
+          </a:lnRef>
+          <a:fillRef idx="0">
+            <a:schemeClr val="accent1"/>
+          </a:fillRef>
+          <a:effectRef idx="0">
+            <a:schemeClr val="accent1"/>
+          </a:effectRef>
+          <a:fontRef idx="minor">
+            <a:schemeClr val="tx1"/>
+          </a:fontRef>
+        </p:style>
+      </p:cxnSp>
+      <p:sp>
+        <p:nvSpPr>
+          <p:cNvPr id="3" name="Titel 2"/>
+          <p:cNvSpPr>
+            <a:spLocks noGrp="1"/>
+          </p:cNvSpPr>
+          <p:nvPr>
+            <p:ph type="title" idx="4294967295"/>
+          </p:nvPr>
+        </p:nvSpPr>
+        <p:spPr>
+          <a:xfrm>
+            <a:off x="0" y="254000"/>
+            <a:ext cx="9144000" cy="625475"/>
+          </a:xfrm>
+        </p:spPr>
+        <p:txBody>
+          <a:bodyPr lIns="0" rIns="0"/>
+          <a:lstStyle/>
+          <a:p>
+            <a:pPr algn="ctr"/>
+            <a:r>
+              <a:rPr lang="de-DE" dirty="0" err="1"/>
+              <a:t>Structure</a:t>
+            </a:r>
+            <a:r>
+              <a:rPr lang="de-DE" dirty="0"/>
+              <a:t> </a:t>
+            </a:r>
+            <a:r>
+              <a:rPr lang="de-DE" dirty="0" err="1"/>
+              <a:t>of</a:t>
+            </a:r>
+            <a:r>
+              <a:rPr lang="de-DE" dirty="0"/>
+              <a:t> </a:t>
+            </a:r>
+            <a:r>
+              <a:rPr lang="de-DE" dirty="0" err="1"/>
+              <a:t>include</a:t>
+            </a:r>
+            <a:r>
+              <a:rPr lang="de-DE" dirty="0"/>
+              <a:t>-relations in IBIS-IP </a:t>
+            </a:r>
+            <a:r>
+              <a:rPr lang="de-DE" dirty="0" smtClean="0"/>
+              <a:t>2.3 </a:t>
+            </a:r>
+            <a:r>
+              <a:rPr lang="de-DE" dirty="0"/>
+              <a:t>– V </a:t>
+            </a:r>
+            <a:r>
+              <a:rPr lang="de-DE" dirty="0" smtClean="0"/>
+              <a:t>2.3 </a:t>
+            </a:r>
+            <a:r>
+              <a:rPr lang="de-DE" dirty="0"/>
+              <a:t>Services </a:t>
+            </a:r>
+            <a:endParaRPr lang="en-GB" dirty="0">
+              <a:latin typeface="Arial Narrow" panose="020B0606020202030204" pitchFamily="34" charset="0"/>
+            </a:endParaRPr>
+          </a:p>
+        </p:txBody>
+      </p:sp>
+    </p:spTree>
+    <p:extLst>
+      <p:ext uri="{BB962C8B-B14F-4D97-AF65-F5344CB8AC3E}">
+        <p14:creationId xmlns:p14="http://schemas.microsoft.com/office/powerpoint/2010/main" val="559208952"/>
       </p:ext>
     </p:extLst>
   </p:cSld>

--- a/Readme_IBIS_IP_2.2.pptx
+++ b/Readme_IBIS_IP_2.2.pptx
@@ -5,7 +5,7 @@
     <p:sldMasterId id="2147483648" r:id="rId1"/>
   </p:sldMasterIdLst>
   <p:notesMasterIdLst>
-    <p:notesMasterId r:id="rId8"/>
+    <p:notesMasterId r:id="rId7"/>
   </p:notesMasterIdLst>
   <p:sldIdLst>
     <p:sldId id="281" r:id="rId2"/>
@@ -13,7 +13,6 @@
     <p:sldId id="278" r:id="rId4"/>
     <p:sldId id="280" r:id="rId5"/>
     <p:sldId id="279" r:id="rId6"/>
-    <p:sldId id="282" r:id="rId7"/>
   </p:sldIdLst>
   <p:sldSz cx="9144000" cy="5143500" type="screen16x9"/>
   <p:notesSz cx="6858000" cy="9144000"/>
@@ -258,7 +257,7 @@
           <a:p>
             <a:fld id="{623BBD59-964B-4DAF-A29B-734161608ED8}" type="datetimeFigureOut">
               <a:rPr lang="de-DE" smtClean="0"/>
-              <a:t>05.03.2021</a:t>
+              <a:t>28.11.2019</a:t>
             </a:fld>
             <a:endParaRPr lang="de-DE"/>
           </a:p>
@@ -1243,7 +1242,7 @@
           <p:cNvPr id="2" name="Titel 1">
             <a:extLst>
               <a:ext uri="{FF2B5EF4-FFF2-40B4-BE49-F238E27FC236}">
-                <a16:creationId xmlns="" xmlns:a16="http://schemas.microsoft.com/office/drawing/2014/main" id="{12858925-19F6-4E21-9CFE-BA5D8B3DA3DF}"/>
+                <a16:creationId xmlns:a16="http://schemas.microsoft.com/office/drawing/2014/main" xmlns="" id="{12858925-19F6-4E21-9CFE-BA5D8B3DA3DF}"/>
               </a:ext>
             </a:extLst>
           </p:cNvPr>
@@ -1261,13 +1260,8 @@
           <a:p>
             <a:r>
               <a:rPr lang="de-DE" dirty="0"/>
-              <a:t>Version </a:t>
-            </a:r>
-            <a:r>
-              <a:rPr lang="de-DE" dirty="0" smtClean="0"/>
-              <a:t>2.3</a:t>
-            </a:r>
-            <a:endParaRPr lang="de-DE" dirty="0"/>
+              <a:t>Version 2.2</a:t>
+            </a:r>
           </a:p>
         </p:txBody>
       </p:sp>
@@ -1276,7 +1270,7 @@
           <p:cNvPr id="3" name="Untertitel 2">
             <a:extLst>
               <a:ext uri="{FF2B5EF4-FFF2-40B4-BE49-F238E27FC236}">
-                <a16:creationId xmlns="" xmlns:a16="http://schemas.microsoft.com/office/drawing/2014/main" id="{B94FE217-78E2-41B1-A04E-B92F2FA836A6}"/>
+                <a16:creationId xmlns:a16="http://schemas.microsoft.com/office/drawing/2014/main" xmlns="" id="{B94FE217-78E2-41B1-A04E-B92F2FA836A6}"/>
               </a:ext>
             </a:extLst>
           </p:cNvPr>
@@ -2426,15 +2420,7 @@
             </a:r>
             <a:r>
               <a:rPr lang="de-DE" dirty="0"/>
-              <a:t>-relations in IBIS-IP </a:t>
-            </a:r>
-            <a:r>
-              <a:rPr lang="de-DE" dirty="0" smtClean="0"/>
-              <a:t>2.3 </a:t>
-            </a:r>
-            <a:r>
-              <a:rPr lang="de-DE" dirty="0"/>
-              <a:t>– V 1.0 Services </a:t>
+              <a:t>-relations in IBIS-IP 2.2 – V 1.0 Services </a:t>
             </a:r>
             <a:endParaRPr lang="en-GB" dirty="0">
               <a:latin typeface="Arial Narrow" panose="020B0606020202030204" pitchFamily="34" charset="0"/>
@@ -2515,15 +2501,7 @@
             </a:r>
             <a:r>
               <a:rPr lang="de-DE" dirty="0"/>
-              <a:t>-relations in IBIS-IP </a:t>
-            </a:r>
-            <a:r>
-              <a:rPr lang="de-DE" dirty="0" smtClean="0"/>
-              <a:t>2.3 </a:t>
-            </a:r>
-            <a:r>
-              <a:rPr lang="de-DE" dirty="0"/>
-              <a:t>– V 2.0 Services </a:t>
+              <a:t>-relations in IBIS-IP 2.2 – V 2.0 Services </a:t>
             </a:r>
             <a:endParaRPr lang="en-GB" dirty="0">
               <a:latin typeface="Arial Narrow" panose="020B0606020202030204" pitchFamily="34" charset="0"/>
@@ -3643,15 +3621,7 @@
             </a:r>
             <a:r>
               <a:rPr lang="de-DE" dirty="0"/>
-              <a:t>-relations in IBIS-IP </a:t>
-            </a:r>
-            <a:r>
-              <a:rPr lang="de-DE" dirty="0" smtClean="0"/>
-              <a:t>2.3 </a:t>
-            </a:r>
-            <a:r>
-              <a:rPr lang="de-DE" dirty="0"/>
-              <a:t>– V 2.1 Services </a:t>
+              <a:t>-relations in IBIS-IP 2.2 – V 2.1 Services </a:t>
             </a:r>
             <a:endParaRPr lang="en-GB" dirty="0">
               <a:latin typeface="Arial Narrow" panose="020B0606020202030204" pitchFamily="34" charset="0"/>
@@ -3664,7 +3634,7 @@
           <p:cNvPr id="26" name="Rechteck 25">
             <a:extLst>
               <a:ext uri="{FF2B5EF4-FFF2-40B4-BE49-F238E27FC236}">
-                <a16:creationId xmlns="" xmlns:a16="http://schemas.microsoft.com/office/drawing/2014/main" id="{118086B0-6F63-42F3-8D41-2E56F301D201}"/>
+                <a16:creationId xmlns:a16="http://schemas.microsoft.com/office/drawing/2014/main" xmlns="" id="{118086B0-6F63-42F3-8D41-2E56F301D201}"/>
               </a:ext>
             </a:extLst>
           </p:cNvPr>
@@ -4892,15 +4862,7 @@
             </a:r>
             <a:r>
               <a:rPr lang="de-DE" dirty="0"/>
-              <a:t>-relations in IBIS-IP </a:t>
-            </a:r>
-            <a:r>
-              <a:rPr lang="de-DE" dirty="0" smtClean="0"/>
-              <a:t>2.3 </a:t>
-            </a:r>
-            <a:r>
-              <a:rPr lang="de-DE" dirty="0"/>
-              <a:t>– V 2.2 Services </a:t>
+              <a:t>-relations in IBIS-IP 2.2 – V 2.2 Services </a:t>
             </a:r>
             <a:endParaRPr lang="en-GB" dirty="0">
               <a:latin typeface="Arial Narrow" panose="020B0606020202030204" pitchFamily="34" charset="0"/>
@@ -4913,7 +4875,7 @@
           <p:cNvPr id="28" name="Rechteck 27">
             <a:extLst>
               <a:ext uri="{FF2B5EF4-FFF2-40B4-BE49-F238E27FC236}">
-                <a16:creationId xmlns="" xmlns:a16="http://schemas.microsoft.com/office/drawing/2014/main" id="{382932B5-6D11-4F7B-97D3-2211AE317C43}"/>
+                <a16:creationId xmlns:a16="http://schemas.microsoft.com/office/drawing/2014/main" xmlns="" id="{382932B5-6D11-4F7B-97D3-2211AE317C43}"/>
               </a:ext>
             </a:extLst>
           </p:cNvPr>
@@ -4990,7 +4952,7 @@
           <p:cNvPr id="29" name="Gerade Verbindung mit Pfeil 28">
             <a:extLst>
               <a:ext uri="{FF2B5EF4-FFF2-40B4-BE49-F238E27FC236}">
-                <a16:creationId xmlns="" xmlns:a16="http://schemas.microsoft.com/office/drawing/2014/main" id="{2C6CF33B-4A53-49D1-8731-DE961C701CFB}"/>
+                <a16:creationId xmlns:a16="http://schemas.microsoft.com/office/drawing/2014/main" xmlns="" id="{2C6CF33B-4A53-49D1-8731-DE961C701CFB}"/>
               </a:ext>
             </a:extLst>
           </p:cNvPr>
@@ -5036,7 +4998,7 @@
           <p:cNvPr id="30" name="Gerade Verbindung mit Pfeil 29">
             <a:extLst>
               <a:ext uri="{FF2B5EF4-FFF2-40B4-BE49-F238E27FC236}">
-                <a16:creationId xmlns="" xmlns:a16="http://schemas.microsoft.com/office/drawing/2014/main" id="{956A722C-BF40-41BE-8046-AE7157BD6A91}"/>
+                <a16:creationId xmlns:a16="http://schemas.microsoft.com/office/drawing/2014/main" xmlns="" id="{956A722C-BF40-41BE-8046-AE7157BD6A91}"/>
               </a:ext>
             </a:extLst>
           </p:cNvPr>
@@ -5081,431 +5043,6 @@
     <p:extLst>
       <p:ext uri="{BB962C8B-B14F-4D97-AF65-F5344CB8AC3E}">
         <p14:creationId xmlns:p14="http://schemas.microsoft.com/office/powerpoint/2010/main" val="2578238626"/>
-      </p:ext>
-    </p:extLst>
-  </p:cSld>
-  <p:clrMapOvr>
-    <a:masterClrMapping/>
-  </p:clrMapOvr>
-</p:sld>
-</file>
-
-<file path=ppt/slides/slide6.xml><?xml version="1.0" encoding="utf-8"?>
-<p:sld xmlns:a="http://schemas.openxmlformats.org/drawingml/2006/main" xmlns:r="http://schemas.openxmlformats.org/officeDocument/2006/relationships" xmlns:p="http://schemas.openxmlformats.org/presentationml/2006/main">
-  <p:cSld>
-    <p:spTree>
-      <p:nvGrpSpPr>
-        <p:cNvPr id="1" name=""/>
-        <p:cNvGrpSpPr/>
-        <p:nvPr/>
-      </p:nvGrpSpPr>
-      <p:grpSpPr>
-        <a:xfrm>
-          <a:off x="0" y="0"/>
-          <a:ext cx="0" cy="0"/>
-          <a:chOff x="0" y="0"/>
-          <a:chExt cx="0" cy="0"/>
-        </a:xfrm>
-      </p:grpSpPr>
-      <p:sp>
-        <p:nvSpPr>
-          <p:cNvPr id="7" name="Rechteck 6"/>
-          <p:cNvSpPr/>
-          <p:nvPr/>
-        </p:nvSpPr>
-        <p:spPr>
-          <a:xfrm>
-            <a:off x="312825" y="2608007"/>
-            <a:ext cx="497318" cy="360000"/>
-          </a:xfrm>
-          <a:prstGeom prst="rect">
-            <a:avLst/>
-          </a:prstGeom>
-          <a:solidFill>
-            <a:srgbClr val="FF0000"/>
-          </a:solidFill>
-          <a:ln>
-            <a:noFill/>
-          </a:ln>
-        </p:spPr>
-        <p:style>
-          <a:lnRef idx="2">
-            <a:schemeClr val="accent1">
-              <a:shade val="50000"/>
-            </a:schemeClr>
-          </a:lnRef>
-          <a:fillRef idx="1">
-            <a:schemeClr val="accent1"/>
-          </a:fillRef>
-          <a:effectRef idx="0">
-            <a:schemeClr val="accent1"/>
-          </a:effectRef>
-          <a:fontRef idx="minor">
-            <a:schemeClr val="lt1"/>
-          </a:fontRef>
-        </p:style>
-        <p:txBody>
-          <a:bodyPr lIns="0" rIns="0" rtlCol="0" anchor="ctr"/>
-          <a:lstStyle/>
-          <a:p>
-            <a:pPr algn="ctr"/>
-            <a:r>
-              <a:rPr lang="en-GB" sz="700" dirty="0">
-                <a:latin typeface="Arial Narrow" panose="020B0606020202030204" pitchFamily="34" charset="0"/>
-              </a:rPr>
-              <a:t>Common</a:t>
-            </a:r>
-          </a:p>
-          <a:p>
-            <a:pPr algn="ctr"/>
-            <a:r>
-              <a:rPr lang="en-GB" sz="700" dirty="0">
-                <a:latin typeface="Arial Narrow" panose="020B0606020202030204" pitchFamily="34" charset="0"/>
-              </a:rPr>
-              <a:t>V </a:t>
-            </a:r>
-            <a:r>
-              <a:rPr lang="en-GB" sz="700" dirty="0" smtClean="0">
-                <a:latin typeface="Arial Narrow" panose="020B0606020202030204" pitchFamily="34" charset="0"/>
-              </a:rPr>
-              <a:t>2.3</a:t>
-            </a:r>
-            <a:endParaRPr lang="en-GB" sz="700" dirty="0">
-              <a:latin typeface="Arial Narrow" panose="020B0606020202030204" pitchFamily="34" charset="0"/>
-            </a:endParaRPr>
-          </a:p>
-        </p:txBody>
-      </p:sp>
-      <p:sp>
-        <p:nvSpPr>
-          <p:cNvPr id="10" name="Rechteck 9"/>
-          <p:cNvSpPr/>
-          <p:nvPr/>
-        </p:nvSpPr>
-        <p:spPr>
-          <a:xfrm>
-            <a:off x="295384" y="4586891"/>
-            <a:ext cx="532200" cy="360000"/>
-          </a:xfrm>
-          <a:prstGeom prst="rect">
-            <a:avLst/>
-          </a:prstGeom>
-          <a:solidFill>
-            <a:srgbClr val="7030A0"/>
-          </a:solidFill>
-          <a:ln>
-            <a:solidFill>
-              <a:srgbClr val="7030A0"/>
-            </a:solidFill>
-          </a:ln>
-        </p:spPr>
-        <p:style>
-          <a:lnRef idx="2">
-            <a:schemeClr val="accent1">
-              <a:shade val="50000"/>
-            </a:schemeClr>
-          </a:lnRef>
-          <a:fillRef idx="1">
-            <a:schemeClr val="accent1"/>
-          </a:fillRef>
-          <a:effectRef idx="0">
-            <a:schemeClr val="accent1"/>
-          </a:effectRef>
-          <a:fontRef idx="minor">
-            <a:schemeClr val="lt1"/>
-          </a:fontRef>
-        </p:style>
-        <p:txBody>
-          <a:bodyPr lIns="0" rIns="0" rtlCol="0" anchor="ctr"/>
-          <a:lstStyle/>
-          <a:p>
-            <a:pPr algn="ctr"/>
-            <a:r>
-              <a:rPr lang="en-GB" sz="700" dirty="0">
-                <a:latin typeface="Arial Narrow" panose="020B0606020202030204" pitchFamily="34" charset="0"/>
-              </a:rPr>
-              <a:t>Enumerations</a:t>
-            </a:r>
-          </a:p>
-          <a:p>
-            <a:pPr algn="ctr"/>
-            <a:r>
-              <a:rPr lang="en-GB" sz="700" dirty="0">
-                <a:latin typeface="Arial Narrow" panose="020B0606020202030204" pitchFamily="34" charset="0"/>
-              </a:rPr>
-              <a:t>V 2.2</a:t>
-            </a:r>
-          </a:p>
-        </p:txBody>
-      </p:sp>
-      <p:sp>
-        <p:nvSpPr>
-          <p:cNvPr id="12" name="Rechteck 11"/>
-          <p:cNvSpPr/>
-          <p:nvPr/>
-        </p:nvSpPr>
-        <p:spPr>
-          <a:xfrm>
-            <a:off x="1455066" y="1059250"/>
-            <a:ext cx="511537" cy="360000"/>
-          </a:xfrm>
-          <a:prstGeom prst="rect">
-            <a:avLst/>
-          </a:prstGeom>
-          <a:solidFill>
-            <a:srgbClr val="FF0000"/>
-          </a:solidFill>
-          <a:ln>
-            <a:noFill/>
-          </a:ln>
-        </p:spPr>
-        <p:style>
-          <a:lnRef idx="2">
-            <a:schemeClr val="accent1">
-              <a:shade val="50000"/>
-            </a:schemeClr>
-          </a:lnRef>
-          <a:fillRef idx="1">
-            <a:schemeClr val="accent1"/>
-          </a:fillRef>
-          <a:effectRef idx="0">
-            <a:schemeClr val="accent1"/>
-          </a:effectRef>
-          <a:fontRef idx="minor">
-            <a:schemeClr val="lt1"/>
-          </a:fontRef>
-        </p:style>
-        <p:txBody>
-          <a:bodyPr lIns="0" rIns="0" rtlCol="0" anchor="ctr"/>
-          <a:lstStyle/>
-          <a:p>
-            <a:pPr algn="ctr"/>
-            <a:r>
-              <a:rPr lang="en-GB" sz="700" dirty="0">
-                <a:latin typeface="Arial Narrow" panose="020B0606020202030204" pitchFamily="34" charset="0"/>
-              </a:rPr>
-              <a:t>Customer</a:t>
-            </a:r>
-            <a:br>
-              <a:rPr lang="en-GB" sz="700" dirty="0">
-                <a:latin typeface="Arial Narrow" panose="020B0606020202030204" pitchFamily="34" charset="0"/>
-              </a:rPr>
-            </a:br>
-            <a:r>
-              <a:rPr lang="en-GB" sz="700" dirty="0">
-                <a:latin typeface="Arial Narrow" panose="020B0606020202030204" pitchFamily="34" charset="0"/>
-              </a:rPr>
-              <a:t>Information</a:t>
-            </a:r>
-          </a:p>
-          <a:p>
-            <a:pPr algn="ctr"/>
-            <a:r>
-              <a:rPr lang="en-GB" sz="700" dirty="0">
-                <a:latin typeface="Arial Narrow" panose="020B0606020202030204" pitchFamily="34" charset="0"/>
-              </a:rPr>
-              <a:t>V </a:t>
-            </a:r>
-            <a:r>
-              <a:rPr lang="en-GB" sz="700" dirty="0" smtClean="0">
-                <a:latin typeface="Arial Narrow" panose="020B0606020202030204" pitchFamily="34" charset="0"/>
-              </a:rPr>
-              <a:t>2.3</a:t>
-            </a:r>
-            <a:endParaRPr lang="en-GB" sz="700" dirty="0">
-              <a:latin typeface="Arial Narrow" panose="020B0606020202030204" pitchFamily="34" charset="0"/>
-            </a:endParaRPr>
-          </a:p>
-        </p:txBody>
-      </p:sp>
-      <p:cxnSp>
-        <p:nvCxnSpPr>
-          <p:cNvPr id="56" name="Gerade Verbindung mit Pfeil 55"/>
-          <p:cNvCxnSpPr>
-            <a:stCxn id="7" idx="2"/>
-            <a:endCxn id="10" idx="0"/>
-          </p:cNvCxnSpPr>
-          <p:nvPr/>
-        </p:nvCxnSpPr>
-        <p:spPr>
-          <a:xfrm>
-            <a:off x="561484" y="2968007"/>
-            <a:ext cx="0" cy="1618884"/>
-          </a:xfrm>
-          <a:prstGeom prst="straightConnector1">
-            <a:avLst/>
-          </a:prstGeom>
-          <a:ln>
-            <a:solidFill>
-              <a:schemeClr val="tx1"/>
-            </a:solidFill>
-            <a:tailEnd type="arrow"/>
-          </a:ln>
-        </p:spPr>
-        <p:style>
-          <a:lnRef idx="1">
-            <a:schemeClr val="accent1"/>
-          </a:lnRef>
-          <a:fillRef idx="0">
-            <a:schemeClr val="accent1"/>
-          </a:fillRef>
-          <a:effectRef idx="0">
-            <a:schemeClr val="accent1"/>
-          </a:effectRef>
-          <a:fontRef idx="minor">
-            <a:schemeClr val="tx1"/>
-          </a:fontRef>
-        </p:style>
-      </p:cxnSp>
-      <p:cxnSp>
-        <p:nvCxnSpPr>
-          <p:cNvPr id="92" name="Gerade Verbindung mit Pfeil 91"/>
-          <p:cNvCxnSpPr>
-            <a:stCxn id="12" idx="2"/>
-            <a:endCxn id="7" idx="0"/>
-          </p:cNvCxnSpPr>
-          <p:nvPr/>
-        </p:nvCxnSpPr>
-        <p:spPr>
-          <a:xfrm flipH="1">
-            <a:off x="561484" y="1419250"/>
-            <a:ext cx="1149351" cy="1188757"/>
-          </a:xfrm>
-          <a:prstGeom prst="straightConnector1">
-            <a:avLst/>
-          </a:prstGeom>
-          <a:ln>
-            <a:solidFill>
-              <a:schemeClr val="tx1"/>
-            </a:solidFill>
-            <a:tailEnd type="arrow"/>
-          </a:ln>
-        </p:spPr>
-        <p:style>
-          <a:lnRef idx="1">
-            <a:schemeClr val="accent1"/>
-          </a:lnRef>
-          <a:fillRef idx="0">
-            <a:schemeClr val="accent1"/>
-          </a:fillRef>
-          <a:effectRef idx="0">
-            <a:schemeClr val="accent1"/>
-          </a:effectRef>
-          <a:fontRef idx="minor">
-            <a:schemeClr val="tx1"/>
-          </a:fontRef>
-        </p:style>
-      </p:cxnSp>
-      <p:cxnSp>
-        <p:nvCxnSpPr>
-          <p:cNvPr id="93" name="Gerade Verbindung mit Pfeil 92"/>
-          <p:cNvCxnSpPr>
-            <a:stCxn id="12" idx="2"/>
-            <a:endCxn id="10" idx="0"/>
-          </p:cNvCxnSpPr>
-          <p:nvPr/>
-        </p:nvCxnSpPr>
-        <p:spPr>
-          <a:xfrm flipH="1">
-            <a:off x="561484" y="1419250"/>
-            <a:ext cx="1149351" cy="3167641"/>
-          </a:xfrm>
-          <a:prstGeom prst="straightConnector1">
-            <a:avLst/>
-          </a:prstGeom>
-          <a:ln>
-            <a:solidFill>
-              <a:schemeClr val="tx1"/>
-            </a:solidFill>
-            <a:tailEnd type="arrow"/>
-          </a:ln>
-        </p:spPr>
-        <p:style>
-          <a:lnRef idx="1">
-            <a:schemeClr val="accent1"/>
-          </a:lnRef>
-          <a:fillRef idx="0">
-            <a:schemeClr val="accent1"/>
-          </a:fillRef>
-          <a:effectRef idx="0">
-            <a:schemeClr val="accent1"/>
-          </a:effectRef>
-          <a:fontRef idx="minor">
-            <a:schemeClr val="tx1"/>
-          </a:fontRef>
-        </p:style>
-      </p:cxnSp>
-      <p:sp>
-        <p:nvSpPr>
-          <p:cNvPr id="3" name="Titel 2"/>
-          <p:cNvSpPr>
-            <a:spLocks noGrp="1"/>
-          </p:cNvSpPr>
-          <p:nvPr>
-            <p:ph type="title" idx="4294967295"/>
-          </p:nvPr>
-        </p:nvSpPr>
-        <p:spPr>
-          <a:xfrm>
-            <a:off x="0" y="254000"/>
-            <a:ext cx="9144000" cy="625475"/>
-          </a:xfrm>
-        </p:spPr>
-        <p:txBody>
-          <a:bodyPr lIns="0" rIns="0"/>
-          <a:lstStyle/>
-          <a:p>
-            <a:pPr algn="ctr"/>
-            <a:r>
-              <a:rPr lang="de-DE" dirty="0" err="1"/>
-              <a:t>Structure</a:t>
-            </a:r>
-            <a:r>
-              <a:rPr lang="de-DE" dirty="0"/>
-              <a:t> </a:t>
-            </a:r>
-            <a:r>
-              <a:rPr lang="de-DE" dirty="0" err="1"/>
-              <a:t>of</a:t>
-            </a:r>
-            <a:r>
-              <a:rPr lang="de-DE" dirty="0"/>
-              <a:t> </a:t>
-            </a:r>
-            <a:r>
-              <a:rPr lang="de-DE" dirty="0" err="1"/>
-              <a:t>include</a:t>
-            </a:r>
-            <a:r>
-              <a:rPr lang="de-DE" dirty="0"/>
-              <a:t>-relations in IBIS-IP </a:t>
-            </a:r>
-            <a:r>
-              <a:rPr lang="de-DE" dirty="0" smtClean="0"/>
-              <a:t>2.3 </a:t>
-            </a:r>
-            <a:r>
-              <a:rPr lang="de-DE" dirty="0"/>
-              <a:t>– V </a:t>
-            </a:r>
-            <a:r>
-              <a:rPr lang="de-DE" dirty="0" smtClean="0"/>
-              <a:t>2.3 </a:t>
-            </a:r>
-            <a:r>
-              <a:rPr lang="de-DE" dirty="0"/>
-              <a:t>Services </a:t>
-            </a:r>
-            <a:endParaRPr lang="en-GB" dirty="0">
-              <a:latin typeface="Arial Narrow" panose="020B0606020202030204" pitchFamily="34" charset="0"/>
-            </a:endParaRPr>
-          </a:p>
-        </p:txBody>
-      </p:sp>
-    </p:spTree>
-    <p:extLst>
-      <p:ext uri="{BB962C8B-B14F-4D97-AF65-F5344CB8AC3E}">
-        <p14:creationId xmlns:p14="http://schemas.microsoft.com/office/powerpoint/2010/main" val="559208952"/>
       </p:ext>
     </p:extLst>
   </p:cSld>
